--- a/control interno.pptx
+++ b/control interno.pptx
@@ -6301,11 +6301,7 @@
           <a:p>
             <a:r>
               <a:rPr lang="es-MX" sz="1400" dirty="0"/>
-              <a:t>Probabilidad de que ocurra un evento y afecte de manera negativa a la entidad</a:t>
-            </a:r>
-            <a:r>
-              <a:rPr lang="es-MX" sz="1400" dirty="0"/>
-              <a:t>. </a:t>
+              <a:t>Probabilidad de que ocurra un evento y afecte de manera negativa a la entidad. </a:t>
             </a:r>
             <a:endParaRPr lang="ko-KR" altLang="en-US" sz="1400" dirty="0"/>
           </a:p>
@@ -7445,14 +7441,14 @@
         <p:spPr>
           <a:xfrm>
             <a:off x="3456032" y="1385137"/>
-            <a:ext cx="6096000" cy="738664"/>
+            <a:ext cx="2448379" cy="738664"/>
           </a:xfrm>
           <a:prstGeom prst="rect">
             <a:avLst/>
           </a:prstGeom>
         </p:spPr>
         <p:txBody>
-          <a:bodyPr>
+          <a:bodyPr wrap="square">
             <a:spAutoFit/>
           </a:bodyPr>
           <a:lstStyle/>
@@ -7689,7 +7685,7 @@
                 </a:solidFill>
                 <a:cs typeface="Arial" pitchFamily="34" charset="0"/>
               </a:rPr>
-              <a:t>Actividades de Control</a:t>
+              <a:t>Monitoreo</a:t>
             </a:r>
             <a:endParaRPr lang="es-MX" altLang="ko-KR" sz="2400" b="1" dirty="0">
               <a:solidFill>
@@ -7841,8 +7837,142 @@
             </a:pPr>
             <a:r>
               <a:rPr lang="es-MX" sz="1400" dirty="0" smtClean="0"/>
-              <a:t>Líneas horizontales y verticales</a:t>
+              <a:t>Líneas </a:t>
             </a:r>
+            <a:r>
+              <a:rPr lang="es-MX" sz="1400" dirty="0" smtClean="0"/>
+              <a:t>horizontales y verticales</a:t>
+            </a:r>
+            <a:endParaRPr lang="es-MX" sz="1400" dirty="0" smtClean="0"/>
+          </a:p>
+        </p:txBody>
+      </p:sp>
+      <p:sp>
+        <p:nvSpPr>
+          <p:cNvPr id="14" name="Rectángulo 13"/>
+          <p:cNvSpPr/>
+          <p:nvPr/>
+        </p:nvSpPr>
+        <p:spPr>
+          <a:xfrm>
+            <a:off x="6096000" y="1292637"/>
+            <a:ext cx="6096000" cy="954107"/>
+          </a:xfrm>
+          <a:prstGeom prst="rect">
+            <a:avLst/>
+          </a:prstGeom>
+        </p:spPr>
+        <p:txBody>
+          <a:bodyPr>
+            <a:spAutoFit/>
+          </a:bodyPr>
+          <a:lstStyle/>
+          <a:p>
+            <a:pPr marL="285750" indent="-285750">
+              <a:buClr>
+                <a:schemeClr val="accent6"/>
+              </a:buClr>
+              <a:buFont typeface="Wingdings" panose="05000000000000000000" pitchFamily="2" charset="2"/>
+              <a:buChar char="ü"/>
+            </a:pPr>
+            <a:r>
+              <a:rPr lang="es-MX" sz="1400" dirty="0"/>
+              <a:t>Ó</a:t>
+            </a:r>
+            <a:r>
+              <a:rPr lang="es-MX" sz="1400" dirty="0" smtClean="0"/>
+              <a:t>ptimo</a:t>
+            </a:r>
+            <a:endParaRPr lang="es-MX" sz="1400" dirty="0" smtClean="0"/>
+          </a:p>
+          <a:p>
+            <a:pPr marL="285750" indent="-285750">
+              <a:buClr>
+                <a:schemeClr val="accent6"/>
+              </a:buClr>
+              <a:buFont typeface="Wingdings" panose="05000000000000000000" pitchFamily="2" charset="2"/>
+              <a:buChar char="ü"/>
+            </a:pPr>
+            <a:r>
+              <a:rPr lang="es-MX" altLang="ko-KR" sz="1400" dirty="0" smtClean="0"/>
+              <a:t>Eficiente</a:t>
+            </a:r>
+            <a:endParaRPr lang="es-MX" altLang="ko-KR" sz="1400" dirty="0" smtClean="0"/>
+          </a:p>
+          <a:p>
+            <a:pPr marL="285750" indent="-285750">
+              <a:buClr>
+                <a:schemeClr val="accent6"/>
+              </a:buClr>
+              <a:buFont typeface="Wingdings" panose="05000000000000000000" pitchFamily="2" charset="2"/>
+              <a:buChar char="ü"/>
+            </a:pPr>
+            <a:r>
+              <a:rPr lang="es-MX" altLang="ko-KR" sz="1400" dirty="0" smtClean="0"/>
+              <a:t>Ineficiente</a:t>
+            </a:r>
+          </a:p>
+          <a:p>
+            <a:pPr marL="285750" indent="-285750">
+              <a:buClr>
+                <a:schemeClr val="accent6"/>
+              </a:buClr>
+              <a:buFont typeface="Wingdings" panose="05000000000000000000" pitchFamily="2" charset="2"/>
+              <a:buChar char="ü"/>
+            </a:pPr>
+            <a:r>
+              <a:rPr lang="es-MX" altLang="ko-KR" sz="1400" dirty="0" smtClean="0"/>
+              <a:t>Inexistente</a:t>
+            </a:r>
+            <a:endParaRPr lang="ko-KR" altLang="en-US" sz="1400" dirty="0"/>
+          </a:p>
+        </p:txBody>
+      </p:sp>
+      <p:sp>
+        <p:nvSpPr>
+          <p:cNvPr id="15" name="TextBox 12">
+            <a:extLst>
+              <a:ext uri="{FF2B5EF4-FFF2-40B4-BE49-F238E27FC236}">
+                <a16:creationId xmlns:a16="http://schemas.microsoft.com/office/drawing/2014/main" id="{57F9C5D9-1591-472D-8891-B836C5307595}"/>
+              </a:ext>
+            </a:extLst>
+          </p:cNvPr>
+          <p:cNvSpPr txBox="1"/>
+          <p:nvPr/>
+        </p:nvSpPr>
+        <p:spPr>
+          <a:xfrm>
+            <a:off x="5904411" y="895682"/>
+            <a:ext cx="10397894" cy="307777"/>
+          </a:xfrm>
+          <a:prstGeom prst="rect">
+            <a:avLst/>
+          </a:prstGeom>
+          <a:noFill/>
+        </p:spPr>
+        <p:txBody>
+          <a:bodyPr wrap="square" rtlCol="0">
+            <a:spAutoFit/>
+          </a:bodyPr>
+          <a:lstStyle/>
+          <a:p>
+            <a:r>
+              <a:rPr lang="es-MX" sz="1400" b="1" dirty="0" smtClean="0">
+                <a:solidFill>
+                  <a:schemeClr val="accent6">
+                    <a:lumMod val="75000"/>
+                  </a:schemeClr>
+                </a:solidFill>
+              </a:rPr>
+              <a:t>Calificación del control</a:t>
+            </a:r>
+            <a:endParaRPr lang="ko-KR" altLang="en-US" sz="1400" b="1" dirty="0">
+              <a:solidFill>
+                <a:schemeClr val="accent6">
+                  <a:lumMod val="75000"/>
+                </a:schemeClr>
+              </a:solidFill>
+            </a:endParaRPr>
           </a:p>
         </p:txBody>
       </p:sp>
@@ -8025,34 +8155,7 @@
                                           </p:stCondLst>
                                         </p:cTn>
                                         <p:tgtEl>
-                                          <p:spTgt spid="16"/>
-                                        </p:tgtEl>
-                                        <p:attrNameLst>
-                                          <p:attrName>style.visibility</p:attrName>
-                                        </p:attrNameLst>
-                                      </p:cBhvr>
-                                      <p:to>
-                                        <p:strVal val="visible"/>
-                                      </p:to>
-                                    </p:set>
-                                  </p:childTnLst>
-                                </p:cTn>
-                              </p:par>
-                              <p:par>
-                                <p:cTn id="19" presetID="1" presetClass="entr" presetSubtype="0" fill="hold" grpId="0" nodeType="withEffect">
-                                  <p:stCondLst>
-                                    <p:cond delay="0"/>
-                                  </p:stCondLst>
-                                  <p:childTnLst>
-                                    <p:set>
-                                      <p:cBhvr>
-                                        <p:cTn id="20" dur="1" fill="hold">
-                                          <p:stCondLst>
-                                            <p:cond delay="0"/>
-                                          </p:stCondLst>
-                                        </p:cTn>
-                                        <p:tgtEl>
-                                          <p:spTgt spid="18"/>
+                                          <p:spTgt spid="14"/>
                                         </p:tgtEl>
                                         <p:attrNameLst>
                                           <p:attrName>style.visibility</p:attrName>
@@ -8072,32 +8175,32 @@
                     </p:cTn>
                   </p:par>
                   <p:par>
-                    <p:cTn id="21" fill="hold">
+                    <p:cTn id="19" fill="hold">
                       <p:stCondLst>
                         <p:cond delay="indefinite"/>
                       </p:stCondLst>
                       <p:childTnLst>
                         <p:par>
-                          <p:cTn id="22" fill="hold">
+                          <p:cTn id="20" fill="hold">
                             <p:stCondLst>
                               <p:cond delay="0"/>
                             </p:stCondLst>
                             <p:childTnLst>
                               <p:par>
-                                <p:cTn id="23" presetID="1" presetClass="entr" presetSubtype="0" fill="hold" grpId="0" nodeType="clickEffect">
+                                <p:cTn id="21" presetID="1" presetClass="entr" presetSubtype="0" fill="hold" grpId="0" nodeType="clickEffect">
                                   <p:stCondLst>
                                     <p:cond delay="0"/>
                                   </p:stCondLst>
                                   <p:childTnLst>
                                     <p:set>
                                       <p:cBhvr>
-                                        <p:cTn id="24" dur="1" fill="hold">
+                                        <p:cTn id="22" dur="1" fill="hold">
                                           <p:stCondLst>
                                             <p:cond delay="0"/>
                                           </p:stCondLst>
                                         </p:cTn>
                                         <p:tgtEl>
-                                          <p:spTgt spid="21"/>
+                                          <p:spTgt spid="15"/>
                                         </p:tgtEl>
                                         <p:attrNameLst>
                                           <p:attrName>style.visibility</p:attrName>
@@ -8117,19 +8220,46 @@
                     </p:cTn>
                   </p:par>
                   <p:par>
-                    <p:cTn id="25" fill="hold">
+                    <p:cTn id="23" fill="hold">
                       <p:stCondLst>
                         <p:cond delay="indefinite"/>
                       </p:stCondLst>
                       <p:childTnLst>
                         <p:par>
-                          <p:cTn id="26" fill="hold">
+                          <p:cTn id="24" fill="hold">
                             <p:stCondLst>
                               <p:cond delay="0"/>
                             </p:stCondLst>
                             <p:childTnLst>
                               <p:par>
-                                <p:cTn id="27" presetID="1" presetClass="entr" presetSubtype="0" fill="hold" grpId="0" nodeType="clickEffect">
+                                <p:cTn id="25" presetID="1" presetClass="entr" presetSubtype="0" fill="hold" grpId="0" nodeType="clickEffect">
+                                  <p:stCondLst>
+                                    <p:cond delay="0"/>
+                                  </p:stCondLst>
+                                  <p:childTnLst>
+                                    <p:set>
+                                      <p:cBhvr>
+                                        <p:cTn id="26" dur="1" fill="hold">
+                                          <p:stCondLst>
+                                            <p:cond delay="0"/>
+                                          </p:stCondLst>
+                                        </p:cTn>
+                                        <p:tgtEl>
+                                          <p:spTgt spid="18"/>
+                                        </p:tgtEl>
+                                        <p:attrNameLst>
+                                          <p:attrName>style.visibility</p:attrName>
+                                        </p:attrNameLst>
+                                      </p:cBhvr>
+                                      <p:to>
+                                        <p:strVal val="visible"/>
+                                      </p:to>
+                                    </p:set>
+                                  </p:childTnLst>
+                                </p:cTn>
+                              </p:par>
+                              <p:par>
+                                <p:cTn id="27" presetID="1" presetClass="entr" presetSubtype="0" fill="hold" grpId="0" nodeType="withEffect">
                                   <p:stCondLst>
                                     <p:cond delay="0"/>
                                   </p:stCondLst>
@@ -8142,7 +8272,7 @@
                                           </p:stCondLst>
                                         </p:cTn>
                                         <p:tgtEl>
-                                          <p:spTgt spid="23"/>
+                                          <p:spTgt spid="16"/>
                                         </p:tgtEl>
                                         <p:attrNameLst>
                                           <p:attrName>style.visibility</p:attrName>
@@ -8187,6 +8317,96 @@
                                           </p:stCondLst>
                                         </p:cTn>
                                         <p:tgtEl>
+                                          <p:spTgt spid="21"/>
+                                        </p:tgtEl>
+                                        <p:attrNameLst>
+                                          <p:attrName>style.visibility</p:attrName>
+                                        </p:attrNameLst>
+                                      </p:cBhvr>
+                                      <p:to>
+                                        <p:strVal val="visible"/>
+                                      </p:to>
+                                    </p:set>
+                                  </p:childTnLst>
+                                </p:cTn>
+                              </p:par>
+                            </p:childTnLst>
+                          </p:cTn>
+                        </p:par>
+                      </p:childTnLst>
+                    </p:cTn>
+                  </p:par>
+                  <p:par>
+                    <p:cTn id="33" fill="hold">
+                      <p:stCondLst>
+                        <p:cond delay="indefinite"/>
+                      </p:stCondLst>
+                      <p:childTnLst>
+                        <p:par>
+                          <p:cTn id="34" fill="hold">
+                            <p:stCondLst>
+                              <p:cond delay="0"/>
+                            </p:stCondLst>
+                            <p:childTnLst>
+                              <p:par>
+                                <p:cTn id="35" presetID="1" presetClass="entr" presetSubtype="0" fill="hold" grpId="0" nodeType="clickEffect">
+                                  <p:stCondLst>
+                                    <p:cond delay="0"/>
+                                  </p:stCondLst>
+                                  <p:childTnLst>
+                                    <p:set>
+                                      <p:cBhvr>
+                                        <p:cTn id="36" dur="1" fill="hold">
+                                          <p:stCondLst>
+                                            <p:cond delay="0"/>
+                                          </p:stCondLst>
+                                        </p:cTn>
+                                        <p:tgtEl>
+                                          <p:spTgt spid="23"/>
+                                        </p:tgtEl>
+                                        <p:attrNameLst>
+                                          <p:attrName>style.visibility</p:attrName>
+                                        </p:attrNameLst>
+                                      </p:cBhvr>
+                                      <p:to>
+                                        <p:strVal val="visible"/>
+                                      </p:to>
+                                    </p:set>
+                                  </p:childTnLst>
+                                </p:cTn>
+                              </p:par>
+                            </p:childTnLst>
+                          </p:cTn>
+                        </p:par>
+                      </p:childTnLst>
+                    </p:cTn>
+                  </p:par>
+                  <p:par>
+                    <p:cTn id="37" fill="hold">
+                      <p:stCondLst>
+                        <p:cond delay="indefinite"/>
+                      </p:stCondLst>
+                      <p:childTnLst>
+                        <p:par>
+                          <p:cTn id="38" fill="hold">
+                            <p:stCondLst>
+                              <p:cond delay="0"/>
+                            </p:stCondLst>
+                            <p:childTnLst>
+                              <p:par>
+                                <p:cTn id="39" presetID="1" presetClass="entr" presetSubtype="0" fill="hold" grpId="0" nodeType="clickEffect">
+                                  <p:stCondLst>
+                                    <p:cond delay="0"/>
+                                  </p:stCondLst>
+                                  <p:childTnLst>
+                                    <p:set>
+                                      <p:cBhvr>
+                                        <p:cTn id="40" dur="1" fill="hold">
+                                          <p:stCondLst>
+                                            <p:cond delay="0"/>
+                                          </p:stCondLst>
+                                        </p:cTn>
+                                        <p:tgtEl>
                                           <p:spTgt spid="19"/>
                                         </p:tgtEl>
                                         <p:attrNameLst>
@@ -8201,14 +8421,14 @@
                                 </p:cTn>
                               </p:par>
                               <p:par>
-                                <p:cTn id="33" presetID="1" presetClass="entr" presetSubtype="0" fill="hold" grpId="0" nodeType="withEffect">
+                                <p:cTn id="41" presetID="1" presetClass="entr" presetSubtype="0" fill="hold" grpId="0" nodeType="withEffect">
                                   <p:stCondLst>
                                     <p:cond delay="0"/>
                                   </p:stCondLst>
                                   <p:childTnLst>
                                     <p:set>
                                       <p:cBhvr>
-                                        <p:cTn id="34" dur="1" fill="hold">
+                                        <p:cTn id="42" dur="1" fill="hold">
                                           <p:stCondLst>
                                             <p:cond delay="0"/>
                                           </p:stCondLst>
@@ -8234,26 +8454,26 @@
                     </p:cTn>
                   </p:par>
                   <p:par>
-                    <p:cTn id="35" fill="hold">
+                    <p:cTn id="43" fill="hold">
                       <p:stCondLst>
                         <p:cond delay="indefinite"/>
                       </p:stCondLst>
                       <p:childTnLst>
                         <p:par>
-                          <p:cTn id="36" fill="hold">
+                          <p:cTn id="44" fill="hold">
                             <p:stCondLst>
                               <p:cond delay="0"/>
                             </p:stCondLst>
                             <p:childTnLst>
                               <p:par>
-                                <p:cTn id="37" presetID="1" presetClass="entr" presetSubtype="0" fill="hold" grpId="0" nodeType="clickEffect">
+                                <p:cTn id="45" presetID="1" presetClass="entr" presetSubtype="0" fill="hold" grpId="0" nodeType="clickEffect">
                                   <p:stCondLst>
                                     <p:cond delay="0"/>
                                   </p:stCondLst>
                                   <p:childTnLst>
                                     <p:set>
                                       <p:cBhvr>
-                                        <p:cTn id="38" dur="1" fill="hold">
+                                        <p:cTn id="46" dur="1" fill="hold">
                                           <p:stCondLst>
                                             <p:cond delay="0"/>
                                           </p:stCondLst>
@@ -8310,6 +8530,8 @@
       <p:bldP spid="21" grpId="0"/>
       <p:bldP spid="22" grpId="0"/>
       <p:bldP spid="23" grpId="0"/>
+      <p:bldP spid="14" grpId="0"/>
+      <p:bldP spid="15" grpId="0"/>
     </p:bldLst>
   </p:timing>
 </p:sld>

--- a/control interno.pptx
+++ b/control interno.pptx
@@ -235,7 +235,7 @@
           <a:p>
             <a:fld id="{07F05374-AB5E-4E21-8A4B-CE55966C7BBC}" type="datetimeFigureOut">
               <a:rPr lang="en-US" smtClean="0"/>
-              <a:t>10/3/2020</a:t>
+              <a:t>10/4/2020</a:t>
             </a:fld>
             <a:endParaRPr lang="en-US"/>
           </a:p>
@@ -412,7 +412,7 @@
           <a:p>
             <a:fld id="{B40ED2C6-10E0-4A7C-AB22-C231623A6E8E}" type="datetimeFigureOut">
               <a:rPr lang="en-US" smtClean="0"/>
-              <a:t>10/3/2020</a:t>
+              <a:t>10/4/2020</a:t>
             </a:fld>
             <a:endParaRPr lang="en-US"/>
           </a:p>
@@ -3254,6 +3254,46 @@
                   <a:lumMod val="75000"/>
                 </a:schemeClr>
               </a:solidFill>
+            </a:endParaRPr>
+          </a:p>
+        </p:txBody>
+      </p:sp>
+      <p:sp>
+        <p:nvSpPr>
+          <p:cNvPr id="4" name="TextBox 92"/>
+          <p:cNvSpPr txBox="1"/>
+          <p:nvPr/>
+        </p:nvSpPr>
+        <p:spPr>
+          <a:xfrm>
+            <a:off x="786028" y="5610246"/>
+            <a:ext cx="9570656" cy="368357"/>
+          </a:xfrm>
+          <a:prstGeom prst="rect">
+            <a:avLst/>
+          </a:prstGeom>
+          <a:noFill/>
+        </p:spPr>
+        <p:txBody>
+          <a:bodyPr wrap="square" rtlCol="0">
+            <a:spAutoFit/>
+          </a:bodyPr>
+          <a:lstStyle/>
+          <a:p>
+            <a:r>
+              <a:rPr lang="es-MX" altLang="ko-KR" b="1" noProof="1" smtClean="0">
+                <a:solidFill>
+                  <a:schemeClr val="bg1"/>
+                </a:solidFill>
+                <a:cs typeface="Arial" pitchFamily="34" charset="0"/>
+              </a:rPr>
+              <a:t>Lenny D. Salcedo</a:t>
+            </a:r>
+            <a:endParaRPr lang="es-MX" altLang="ko-KR" b="1" noProof="1">
+              <a:solidFill>
+                <a:schemeClr val="bg1"/>
+              </a:solidFill>
+              <a:cs typeface="Arial" pitchFamily="34" charset="0"/>
             </a:endParaRPr>
           </a:p>
         </p:txBody>
@@ -7837,13 +7877,8 @@
             </a:pPr>
             <a:r>
               <a:rPr lang="es-MX" sz="1400" dirty="0" smtClean="0"/>
-              <a:t>Líneas </a:t>
+              <a:t>Líneas horizontales y verticales</a:t>
             </a:r>
-            <a:r>
-              <a:rPr lang="es-MX" sz="1400" dirty="0" smtClean="0"/>
-              <a:t>horizontales y verticales</a:t>
-            </a:r>
-            <a:endParaRPr lang="es-MX" sz="1400" dirty="0" smtClean="0"/>
           </a:p>
         </p:txBody>
       </p:sp>
@@ -7883,7 +7918,6 @@
               <a:rPr lang="es-MX" sz="1400" dirty="0" smtClean="0"/>
               <a:t>ptimo</a:t>
             </a:r>
-            <a:endParaRPr lang="es-MX" sz="1400" dirty="0" smtClean="0"/>
           </a:p>
           <a:p>
             <a:pPr marL="285750" indent="-285750">
@@ -7897,7 +7931,6 @@
               <a:rPr lang="es-MX" altLang="ko-KR" sz="1400" dirty="0" smtClean="0"/>
               <a:t>Eficiente</a:t>
             </a:r>
-            <a:endParaRPr lang="es-MX" altLang="ko-KR" sz="1400" dirty="0" smtClean="0"/>
           </a:p>
           <a:p>
             <a:pPr marL="285750" indent="-285750">
